--- a/amta.2016/slides.pptx
+++ b/amta.2016/slides.pptx
@@ -5,7 +5,7 @@
     <p:sldMasterId id="2147483648" r:id="rId1"/>
   </p:sldMasterIdLst>
   <p:notesMasterIdLst>
-    <p:notesMasterId r:id="rId12"/>
+    <p:notesMasterId r:id="rId15"/>
   </p:notesMasterIdLst>
   <p:sldIdLst>
     <p:sldId id="256" r:id="rId2"/>
@@ -18,6 +18,9 @@
     <p:sldId id="263" r:id="rId9"/>
     <p:sldId id="264" r:id="rId10"/>
     <p:sldId id="265" r:id="rId11"/>
+    <p:sldId id="266" r:id="rId12"/>
+    <p:sldId id="267" r:id="rId13"/>
+    <p:sldId id="268" r:id="rId14"/>
   </p:sldIdLst>
   <p:sldSz cx="12192000" cy="6858000"/>
   <p:notesSz cx="6858000" cy="9144000"/>
@@ -116,6 +119,11 @@
       </a:defRPr>
     </a:lvl9pPr>
   </p:defaultTextStyle>
+  <p:extLst>
+    <p:ext uri="{EFAFB233-063F-42B5-8137-9DF3F51BA10A}">
+      <p15:sldGuideLst xmlns:p15="http://schemas.microsoft.com/office/powerpoint/2012/main"/>
+    </p:ext>
+  </p:extLst>
 </p:presentation>
 </file>
 
@@ -3466,23 +3474,2596 @@
         </p:nvSpPr>
         <p:spPr/>
         <p:txBody>
-          <a:bodyPr/>
-          <a:lstStyle/>
-          <a:p>
-            <a:r>
-              <a:rPr lang="en-US" smtClean="0"/>
-              <a:t>Custom memory pooling</a:t>
-            </a:r>
-          </a:p>
-          <a:p>
-            <a:endParaRPr lang="en-US"/>
-          </a:p>
-        </p:txBody>
-      </p:sp>
+          <a:bodyPr>
+            <a:normAutofit lnSpcReduction="10000"/>
+          </a:bodyPr>
+          <a:lstStyle/>
+          <a:p>
+            <a:r>
+              <a:rPr lang="en-US" dirty="0" smtClean="0"/>
+              <a:t>Custom memory </a:t>
+            </a:r>
+            <a:r>
+              <a:rPr lang="en-US" dirty="0" smtClean="0"/>
+              <a:t>management</a:t>
+            </a:r>
+          </a:p>
+          <a:p>
+            <a:pPr lvl="1"/>
+            <a:r>
+              <a:rPr lang="en-US" dirty="0" smtClean="0"/>
+              <a:t>Pooling</a:t>
+            </a:r>
+          </a:p>
+          <a:p>
+            <a:pPr lvl="1"/>
+            <a:r>
+              <a:rPr lang="en-US" dirty="0" smtClean="0"/>
+              <a:t>1 pool-per-thread</a:t>
+            </a:r>
+          </a:p>
+          <a:p>
+            <a:pPr lvl="1"/>
+            <a:endParaRPr lang="en-US" dirty="0"/>
+          </a:p>
+          <a:p>
+            <a:pPr lvl="1"/>
+            <a:r>
+              <a:rPr lang="en-US" dirty="0" smtClean="0"/>
+              <a:t>Re-use memory after </a:t>
+            </a:r>
+          </a:p>
+          <a:p>
+            <a:pPr marL="457200" lvl="1" indent="0">
+              <a:buNone/>
+            </a:pPr>
+            <a:r>
+              <a:rPr lang="en-US" dirty="0"/>
+              <a:t> </a:t>
+            </a:r>
+            <a:r>
+              <a:rPr lang="en-US" dirty="0" smtClean="0"/>
+              <a:t>     each sentence decoding</a:t>
+            </a:r>
+          </a:p>
+          <a:p>
+            <a:pPr lvl="2"/>
+            <a:r>
+              <a:rPr lang="en-US" dirty="0" smtClean="0"/>
+              <a:t>no free/destructors</a:t>
+            </a:r>
+          </a:p>
+          <a:p>
+            <a:pPr lvl="1"/>
+            <a:endParaRPr lang="en-US" dirty="0" smtClean="0"/>
+          </a:p>
+          <a:p>
+            <a:pPr lvl="1"/>
+            <a:r>
+              <a:rPr lang="en-US" dirty="0" smtClean="0"/>
+              <a:t>High-churn </a:t>
+            </a:r>
+            <a:r>
+              <a:rPr lang="en-US" dirty="0" err="1" smtClean="0"/>
+              <a:t>datastructures</a:t>
+            </a:r>
+            <a:endParaRPr lang="en-US" dirty="0" smtClean="0"/>
+          </a:p>
+          <a:p>
+            <a:pPr lvl="2"/>
+            <a:r>
+              <a:rPr lang="en-US" dirty="0" smtClean="0"/>
+              <a:t>LIFO re-use queue</a:t>
+            </a:r>
+          </a:p>
+          <a:p>
+            <a:pPr lvl="2"/>
+            <a:r>
+              <a:rPr lang="en-US" dirty="0" smtClean="0"/>
+              <a:t>Reduce memory consumption</a:t>
+            </a:r>
+          </a:p>
+          <a:p>
+            <a:pPr lvl="2"/>
+            <a:r>
+              <a:rPr lang="en-US" dirty="0" smtClean="0"/>
+              <a:t>Increase CPU cache hits</a:t>
+            </a:r>
+          </a:p>
+          <a:p>
+            <a:pPr lvl="2"/>
+            <a:endParaRPr lang="en-US" dirty="0" smtClean="0"/>
+          </a:p>
+          <a:p>
+            <a:endParaRPr lang="en-US" dirty="0"/>
+          </a:p>
+        </p:txBody>
+      </p:sp>
+      <p:pic>
+        <p:nvPicPr>
+          <p:cNvPr id="4" name="Picture 3"/>
+          <p:cNvPicPr>
+            <a:picLocks noChangeAspect="1"/>
+          </p:cNvPicPr>
+          <p:nvPr/>
+        </p:nvPicPr>
+        <p:blipFill>
+          <a:blip r:embed="rId2"/>
+          <a:stretch>
+            <a:fillRect/>
+          </a:stretch>
+        </p:blipFill>
+        <p:spPr>
+          <a:xfrm>
+            <a:off x="5570805" y="2052100"/>
+            <a:ext cx="6304671" cy="3898388"/>
+          </a:xfrm>
+          <a:prstGeom prst="rect">
+            <a:avLst/>
+          </a:prstGeom>
+        </p:spPr>
+      </p:pic>
     </p:spTree>
     <p:extLst>
       <p:ext uri="{BB962C8B-B14F-4D97-AF65-F5344CB8AC3E}">
         <p14:creationId xmlns:p14="http://schemas.microsoft.com/office/powerpoint/2010/main" val="662064837"/>
+      </p:ext>
+    </p:extLst>
+  </p:cSld>
+  <p:clrMapOvr>
+    <a:masterClrMapping/>
+  </p:clrMapOvr>
+</p:sld>
+</file>
+
+<file path=ppt/slides/slide11.xml><?xml version="1.0" encoding="utf-8"?>
+<p:sld xmlns:a="http://schemas.openxmlformats.org/drawingml/2006/main" xmlns:r="http://schemas.openxmlformats.org/officeDocument/2006/relationships" xmlns:p="http://schemas.openxmlformats.org/presentationml/2006/main">
+  <p:cSld>
+    <p:spTree>
+      <p:nvGrpSpPr>
+        <p:cNvPr id="1" name=""/>
+        <p:cNvGrpSpPr/>
+        <p:nvPr/>
+      </p:nvGrpSpPr>
+      <p:grpSpPr>
+        <a:xfrm>
+          <a:off x="0" y="0"/>
+          <a:ext cx="0" cy="0"/>
+          <a:chOff x="0" y="0"/>
+          <a:chExt cx="0" cy="0"/>
+        </a:xfrm>
+      </p:grpSpPr>
+      <p:sp>
+        <p:nvSpPr>
+          <p:cNvPr id="2" name="Title 1"/>
+          <p:cNvSpPr>
+            <a:spLocks noGrp="1"/>
+          </p:cNvSpPr>
+          <p:nvPr>
+            <p:ph type="title"/>
+          </p:nvPr>
+        </p:nvSpPr>
+        <p:spPr/>
+        <p:txBody>
+          <a:bodyPr/>
+          <a:lstStyle/>
+          <a:p>
+            <a:r>
+              <a:rPr lang="en-US" dirty="0" smtClean="0"/>
+              <a:t>Memory Management</a:t>
+            </a:r>
+            <a:endParaRPr lang="en-US" dirty="0"/>
+          </a:p>
+        </p:txBody>
+      </p:sp>
+      <p:graphicFrame>
+        <p:nvGraphicFramePr>
+          <p:cNvPr id="4" name="Table 3"/>
+          <p:cNvGraphicFramePr>
+            <a:graphicFrameLocks noGrp="1"/>
+          </p:cNvGraphicFramePr>
+          <p:nvPr>
+            <p:extLst>
+              <p:ext uri="{D42A27DB-BD31-4B8C-83A1-F6EECF244321}">
+                <p14:modId xmlns:p14="http://schemas.microsoft.com/office/powerpoint/2010/main" val="2046478768"/>
+              </p:ext>
+            </p:extLst>
+          </p:nvPr>
+        </p:nvGraphicFramePr>
+        <p:xfrm>
+          <a:off x="838197" y="1948861"/>
+          <a:ext cx="9111940" cy="2123440"/>
+        </p:xfrm>
+        <a:graphic>
+          <a:graphicData uri="http://schemas.openxmlformats.org/drawingml/2006/table">
+            <a:tbl>
+              <a:tblPr firstRow="1" bandRow="1">
+                <a:tableStyleId>{5C22544A-7EE6-4342-B048-85BDC9FD1C3A}</a:tableStyleId>
+              </a:tblPr>
+              <a:tblGrid>
+                <a:gridCol w="1240411"/>
+                <a:gridCol w="1240411"/>
+                <a:gridCol w="1132339"/>
+                <a:gridCol w="1000763"/>
+                <a:gridCol w="1124504"/>
+                <a:gridCol w="1124504"/>
+                <a:gridCol w="1124504"/>
+                <a:gridCol w="1124504"/>
+              </a:tblGrid>
+              <a:tr h="370840">
+                <a:tc>
+                  <a:txBody>
+                    <a:bodyPr/>
+                    <a:lstStyle/>
+                    <a:p>
+                      <a:endParaRPr lang="en-US" dirty="0"/>
+                    </a:p>
+                  </a:txBody>
+                  <a:tcPr/>
+                </a:tc>
+                <a:tc>
+                  <a:txBody>
+                    <a:bodyPr/>
+                    <a:lstStyle/>
+                    <a:p>
+                      <a:endParaRPr lang="en-US" dirty="0"/>
+                    </a:p>
+                  </a:txBody>
+                  <a:tcPr/>
+                </a:tc>
+                <a:tc>
+                  <a:txBody>
+                    <a:bodyPr/>
+                    <a:lstStyle/>
+                    <a:p>
+                      <a:r>
+                        <a:rPr lang="en-US" dirty="0" smtClean="0"/>
+                        <a:t>Memory</a:t>
+                      </a:r>
+                      <a:endParaRPr lang="en-US" dirty="0"/>
+                    </a:p>
+                  </a:txBody>
+                  <a:tcPr/>
+                </a:tc>
+                <a:tc>
+                  <a:txBody>
+                    <a:bodyPr/>
+                    <a:lstStyle/>
+                    <a:p>
+                      <a:r>
+                        <a:rPr lang="en-US" dirty="0" smtClean="0"/>
+                        <a:t>LM</a:t>
+                      </a:r>
+                      <a:endParaRPr lang="en-US" dirty="0"/>
+                    </a:p>
+                  </a:txBody>
+                  <a:tcPr/>
+                </a:tc>
+                <a:tc>
+                  <a:txBody>
+                    <a:bodyPr/>
+                    <a:lstStyle/>
+                    <a:p>
+                      <a:r>
+                        <a:rPr lang="en-US" dirty="0" smtClean="0"/>
+                        <a:t>Phrase-table</a:t>
+                      </a:r>
+                      <a:endParaRPr lang="en-US" dirty="0"/>
+                    </a:p>
+                  </a:txBody>
+                  <a:tcPr/>
+                </a:tc>
+                <a:tc>
+                  <a:txBody>
+                    <a:bodyPr/>
+                    <a:lstStyle/>
+                    <a:p>
+                      <a:r>
+                        <a:rPr lang="en-US" dirty="0" smtClean="0"/>
+                        <a:t>Lex</a:t>
+                      </a:r>
+                      <a:r>
+                        <a:rPr lang="en-US" baseline="0" dirty="0" smtClean="0"/>
+                        <a:t> RO model</a:t>
+                      </a:r>
+                      <a:endParaRPr lang="en-US" dirty="0"/>
+                    </a:p>
+                  </a:txBody>
+                  <a:tcPr/>
+                </a:tc>
+                <a:tc>
+                  <a:txBody>
+                    <a:bodyPr/>
+                    <a:lstStyle/>
+                    <a:p>
+                      <a:r>
+                        <a:rPr lang="en-US" dirty="0" smtClean="0"/>
+                        <a:t>Search</a:t>
+                      </a:r>
+                      <a:endParaRPr lang="en-US" dirty="0"/>
+                    </a:p>
+                  </a:txBody>
+                  <a:tcPr/>
+                </a:tc>
+                <a:tc>
+                  <a:txBody>
+                    <a:bodyPr/>
+                    <a:lstStyle/>
+                    <a:p>
+                      <a:r>
+                        <a:rPr lang="en-US" dirty="0" err="1" smtClean="0"/>
+                        <a:t>Misc</a:t>
+                      </a:r>
+                      <a:endParaRPr lang="en-US" dirty="0"/>
+                    </a:p>
+                  </a:txBody>
+                  <a:tcPr/>
+                </a:tc>
+              </a:tr>
+              <a:tr h="370840">
+                <a:tc>
+                  <a:txBody>
+                    <a:bodyPr/>
+                    <a:lstStyle/>
+                    <a:p>
+                      <a:r>
+                        <a:rPr lang="en-US" dirty="0" smtClean="0"/>
+                        <a:t>Moses</a:t>
+                      </a:r>
+                      <a:endParaRPr lang="en-US" dirty="0"/>
+                    </a:p>
+                  </a:txBody>
+                  <a:tcPr/>
+                </a:tc>
+                <a:tc>
+                  <a:txBody>
+                    <a:bodyPr/>
+                    <a:lstStyle/>
+                    <a:p>
+                      <a:r>
+                        <a:rPr lang="en-US" dirty="0" smtClean="0"/>
+                        <a:t>1 thread</a:t>
+                      </a:r>
+                      <a:endParaRPr lang="en-US" dirty="0"/>
+                    </a:p>
+                  </a:txBody>
+                  <a:tcPr/>
+                </a:tc>
+                <a:tc>
+                  <a:txBody>
+                    <a:bodyPr/>
+                    <a:lstStyle/>
+                    <a:p>
+                      <a:r>
+                        <a:rPr lang="en-US" dirty="0" smtClean="0"/>
+                        <a:t>24%</a:t>
+                      </a:r>
+                      <a:endParaRPr lang="en-US" dirty="0"/>
+                    </a:p>
+                  </a:txBody>
+                  <a:tcPr/>
+                </a:tc>
+                <a:tc>
+                  <a:txBody>
+                    <a:bodyPr/>
+                    <a:lstStyle/>
+                    <a:p>
+                      <a:r>
+                        <a:rPr lang="en-US" dirty="0" smtClean="0"/>
+                        <a:t>12%</a:t>
+                      </a:r>
+                      <a:endParaRPr lang="en-US" dirty="0"/>
+                    </a:p>
+                  </a:txBody>
+                  <a:tcPr/>
+                </a:tc>
+                <a:tc>
+                  <a:txBody>
+                    <a:bodyPr/>
+                    <a:lstStyle/>
+                    <a:p>
+                      <a:r>
+                        <a:rPr lang="en-US" dirty="0" smtClean="0"/>
+                        <a:t>9%</a:t>
+                      </a:r>
+                      <a:endParaRPr lang="en-US" dirty="0"/>
+                    </a:p>
+                  </a:txBody>
+                  <a:tcPr/>
+                </a:tc>
+                <a:tc>
+                  <a:txBody>
+                    <a:bodyPr/>
+                    <a:lstStyle/>
+                    <a:p>
+                      <a:r>
+                        <a:rPr lang="en-US" dirty="0" smtClean="0"/>
+                        <a:t>8%</a:t>
+                      </a:r>
+                      <a:endParaRPr lang="en-US" dirty="0"/>
+                    </a:p>
+                  </a:txBody>
+                  <a:tcPr/>
+                </a:tc>
+                <a:tc>
+                  <a:txBody>
+                    <a:bodyPr/>
+                    <a:lstStyle/>
+                    <a:p>
+                      <a:r>
+                        <a:rPr lang="en-US" dirty="0" smtClean="0"/>
+                        <a:t>2%</a:t>
+                      </a:r>
+                      <a:endParaRPr lang="en-US" dirty="0"/>
+                    </a:p>
+                  </a:txBody>
+                  <a:tcPr/>
+                </a:tc>
+                <a:tc>
+                  <a:txBody>
+                    <a:bodyPr/>
+                    <a:lstStyle/>
+                    <a:p>
+                      <a:r>
+                        <a:rPr lang="en-US" dirty="0" smtClean="0"/>
+                        <a:t>45%</a:t>
+                      </a:r>
+                      <a:endParaRPr lang="en-US" dirty="0"/>
+                    </a:p>
+                  </a:txBody>
+                  <a:tcPr/>
+                </a:tc>
+              </a:tr>
+              <a:tr h="370840">
+                <a:tc>
+                  <a:txBody>
+                    <a:bodyPr/>
+                    <a:lstStyle/>
+                    <a:p>
+                      <a:endParaRPr lang="en-US" dirty="0"/>
+                    </a:p>
+                  </a:txBody>
+                  <a:tcPr/>
+                </a:tc>
+                <a:tc>
+                  <a:txBody>
+                    <a:bodyPr/>
+                    <a:lstStyle/>
+                    <a:p>
+                      <a:r>
+                        <a:rPr lang="en-US" dirty="0" smtClean="0"/>
+                        <a:t>32 threads</a:t>
+                      </a:r>
+                      <a:endParaRPr lang="en-US" dirty="0"/>
+                    </a:p>
+                  </a:txBody>
+                  <a:tcPr/>
+                </a:tc>
+                <a:tc>
+                  <a:txBody>
+                    <a:bodyPr/>
+                    <a:lstStyle/>
+                    <a:p>
+                      <a:r>
+                        <a:rPr lang="en-US" dirty="0" smtClean="0"/>
+                        <a:t>30%</a:t>
+                      </a:r>
+                      <a:endParaRPr lang="en-US" dirty="0"/>
+                    </a:p>
+                  </a:txBody>
+                  <a:tcPr/>
+                </a:tc>
+                <a:tc>
+                  <a:txBody>
+                    <a:bodyPr/>
+                    <a:lstStyle/>
+                    <a:p>
+                      <a:r>
+                        <a:rPr lang="en-US" smtClean="0"/>
+                        <a:t>2%</a:t>
+                      </a:r>
+                      <a:endParaRPr lang="en-US" dirty="0"/>
+                    </a:p>
+                  </a:txBody>
+                  <a:tcPr/>
+                </a:tc>
+                <a:tc>
+                  <a:txBody>
+                    <a:bodyPr/>
+                    <a:lstStyle/>
+                    <a:p>
+                      <a:r>
+                        <a:rPr lang="en-US" dirty="0" smtClean="0"/>
+                        <a:t>5%</a:t>
+                      </a:r>
+                      <a:endParaRPr lang="en-US" dirty="0"/>
+                    </a:p>
+                  </a:txBody>
+                  <a:tcPr/>
+                </a:tc>
+                <a:tc>
+                  <a:txBody>
+                    <a:bodyPr/>
+                    <a:lstStyle/>
+                    <a:p>
+                      <a:r>
+                        <a:rPr lang="en-US" dirty="0" smtClean="0"/>
+                        <a:t>2%</a:t>
+                      </a:r>
+                      <a:endParaRPr lang="en-US" dirty="0"/>
+                    </a:p>
+                  </a:txBody>
+                  <a:tcPr/>
+                </a:tc>
+                <a:tc>
+                  <a:txBody>
+                    <a:bodyPr/>
+                    <a:lstStyle/>
+                    <a:p>
+                      <a:r>
+                        <a:rPr lang="en-US" smtClean="0"/>
+                        <a:t>0%</a:t>
+                      </a:r>
+                      <a:endParaRPr lang="en-US" dirty="0"/>
+                    </a:p>
+                  </a:txBody>
+                  <a:tcPr/>
+                </a:tc>
+                <a:tc>
+                  <a:txBody>
+                    <a:bodyPr/>
+                    <a:lstStyle/>
+                    <a:p>
+                      <a:r>
+                        <a:rPr lang="en-US" dirty="0" smtClean="0"/>
+                        <a:t>39%</a:t>
+                      </a:r>
+                      <a:endParaRPr lang="en-US" dirty="0"/>
+                    </a:p>
+                  </a:txBody>
+                  <a:tcPr/>
+                </a:tc>
+              </a:tr>
+              <a:tr h="370840">
+                <a:tc>
+                  <a:txBody>
+                    <a:bodyPr/>
+                    <a:lstStyle/>
+                    <a:p>
+                      <a:r>
+                        <a:rPr lang="en-US" dirty="0" smtClean="0"/>
+                        <a:t>Our Work</a:t>
+                      </a:r>
+                      <a:endParaRPr lang="en-US" dirty="0"/>
+                    </a:p>
+                  </a:txBody>
+                  <a:tcPr/>
+                </a:tc>
+                <a:tc>
+                  <a:txBody>
+                    <a:bodyPr/>
+                    <a:lstStyle/>
+                    <a:p>
+                      <a:r>
+                        <a:rPr lang="en-US" dirty="0" smtClean="0"/>
+                        <a:t>1 thread</a:t>
+                      </a:r>
+                      <a:endParaRPr lang="en-US" dirty="0"/>
+                    </a:p>
+                  </a:txBody>
+                  <a:tcPr/>
+                </a:tc>
+                <a:tc>
+                  <a:txBody>
+                    <a:bodyPr/>
+                    <a:lstStyle/>
+                    <a:p>
+                      <a:r>
+                        <a:rPr lang="en-US" b="0" dirty="0" smtClean="0">
+                          <a:solidFill>
+                            <a:srgbClr val="FF0000"/>
+                          </a:solidFill>
+                        </a:rPr>
+                        <a:t>11%</a:t>
+                      </a:r>
+                      <a:endParaRPr lang="en-US" b="0" dirty="0">
+                        <a:solidFill>
+                          <a:srgbClr val="FF0000"/>
+                        </a:solidFill>
+                      </a:endParaRPr>
+                    </a:p>
+                  </a:txBody>
+                  <a:tcPr/>
+                </a:tc>
+                <a:tc>
+                  <a:txBody>
+                    <a:bodyPr/>
+                    <a:lstStyle/>
+                    <a:p>
+                      <a:r>
+                        <a:rPr lang="en-US" dirty="0" smtClean="0"/>
+                        <a:t>47%</a:t>
+                      </a:r>
+                      <a:endParaRPr lang="en-US" dirty="0"/>
+                    </a:p>
+                  </a:txBody>
+                  <a:tcPr/>
+                </a:tc>
+                <a:tc>
+                  <a:txBody>
+                    <a:bodyPr/>
+                    <a:lstStyle/>
+                    <a:p>
+                      <a:r>
+                        <a:rPr lang="en-US" dirty="0" smtClean="0"/>
+                        <a:t>2%</a:t>
+                      </a:r>
+                      <a:endParaRPr lang="en-US" dirty="0"/>
+                    </a:p>
+                  </a:txBody>
+                  <a:tcPr/>
+                </a:tc>
+                <a:tc>
+                  <a:txBody>
+                    <a:bodyPr/>
+                    <a:lstStyle/>
+                    <a:p>
+                      <a:r>
+                        <a:rPr lang="en-US" dirty="0" smtClean="0"/>
+                        <a:t>2%</a:t>
+                      </a:r>
+                      <a:endParaRPr lang="en-US" dirty="0"/>
+                    </a:p>
+                  </a:txBody>
+                  <a:tcPr/>
+                </a:tc>
+                <a:tc>
+                  <a:txBody>
+                    <a:bodyPr/>
+                    <a:lstStyle/>
+                    <a:p>
+                      <a:r>
+                        <a:rPr lang="en-US" dirty="0" smtClean="0"/>
+                        <a:t>14%</a:t>
+                      </a:r>
+                      <a:endParaRPr lang="en-US" dirty="0"/>
+                    </a:p>
+                  </a:txBody>
+                  <a:tcPr/>
+                </a:tc>
+                <a:tc>
+                  <a:txBody>
+                    <a:bodyPr/>
+                    <a:lstStyle/>
+                    <a:p>
+                      <a:r>
+                        <a:rPr lang="en-US" dirty="0" smtClean="0"/>
+                        <a:t>24%</a:t>
+                      </a:r>
+                      <a:endParaRPr lang="en-US" dirty="0"/>
+                    </a:p>
+                  </a:txBody>
+                  <a:tcPr/>
+                </a:tc>
+              </a:tr>
+              <a:tr h="370840">
+                <a:tc>
+                  <a:txBody>
+                    <a:bodyPr/>
+                    <a:lstStyle/>
+                    <a:p>
+                      <a:endParaRPr lang="en-US" dirty="0"/>
+                    </a:p>
+                  </a:txBody>
+                  <a:tcPr/>
+                </a:tc>
+                <a:tc>
+                  <a:txBody>
+                    <a:bodyPr/>
+                    <a:lstStyle/>
+                    <a:p>
+                      <a:r>
+                        <a:rPr lang="en-US" dirty="0" smtClean="0"/>
+                        <a:t>32 threads</a:t>
+                      </a:r>
+                      <a:endParaRPr lang="en-US" dirty="0"/>
+                    </a:p>
+                  </a:txBody>
+                  <a:tcPr/>
+                </a:tc>
+                <a:tc>
+                  <a:txBody>
+                    <a:bodyPr/>
+                    <a:lstStyle/>
+                    <a:p>
+                      <a:r>
+                        <a:rPr lang="en-US" b="0" dirty="0" smtClean="0">
+                          <a:solidFill>
+                            <a:srgbClr val="FF0000"/>
+                          </a:solidFill>
+                        </a:rPr>
+                        <a:t>13%</a:t>
+                      </a:r>
+                      <a:endParaRPr lang="en-US" b="0" dirty="0">
+                        <a:solidFill>
+                          <a:srgbClr val="FF0000"/>
+                        </a:solidFill>
+                      </a:endParaRPr>
+                    </a:p>
+                  </a:txBody>
+                  <a:tcPr/>
+                </a:tc>
+                <a:tc>
+                  <a:txBody>
+                    <a:bodyPr/>
+                    <a:lstStyle/>
+                    <a:p>
+                      <a:r>
+                        <a:rPr lang="en-US" dirty="0" smtClean="0"/>
+                        <a:t>38%</a:t>
+                      </a:r>
+                      <a:endParaRPr lang="en-US" dirty="0"/>
+                    </a:p>
+                  </a:txBody>
+                  <a:tcPr/>
+                </a:tc>
+                <a:tc>
+                  <a:txBody>
+                    <a:bodyPr/>
+                    <a:lstStyle/>
+                    <a:p>
+                      <a:r>
+                        <a:rPr lang="en-US" dirty="0" smtClean="0"/>
+                        <a:t>4%</a:t>
+                      </a:r>
+                      <a:endParaRPr lang="en-US" dirty="0"/>
+                    </a:p>
+                  </a:txBody>
+                  <a:tcPr/>
+                </a:tc>
+                <a:tc>
+                  <a:txBody>
+                    <a:bodyPr/>
+                    <a:lstStyle/>
+                    <a:p>
+                      <a:r>
+                        <a:rPr lang="en-US" dirty="0" smtClean="0"/>
+                        <a:t>2%</a:t>
+                      </a:r>
+                      <a:endParaRPr lang="en-US" dirty="0"/>
+                    </a:p>
+                  </a:txBody>
+                  <a:tcPr/>
+                </a:tc>
+                <a:tc>
+                  <a:txBody>
+                    <a:bodyPr/>
+                    <a:lstStyle/>
+                    <a:p>
+                      <a:r>
+                        <a:rPr lang="en-US" dirty="0" smtClean="0"/>
+                        <a:t>19%</a:t>
+                      </a:r>
+                      <a:endParaRPr lang="en-US" dirty="0"/>
+                    </a:p>
+                  </a:txBody>
+                  <a:tcPr/>
+                </a:tc>
+                <a:tc>
+                  <a:txBody>
+                    <a:bodyPr/>
+                    <a:lstStyle/>
+                    <a:p>
+                      <a:r>
+                        <a:rPr lang="en-US" dirty="0" smtClean="0"/>
+                        <a:t>29%</a:t>
+                      </a:r>
+                      <a:endParaRPr lang="en-US" dirty="0"/>
+                    </a:p>
+                  </a:txBody>
+                  <a:tcPr/>
+                </a:tc>
+              </a:tr>
+            </a:tbl>
+          </a:graphicData>
+        </a:graphic>
+      </p:graphicFrame>
+      <p:sp>
+        <p:nvSpPr>
+          <p:cNvPr id="5" name="TextBox 4"/>
+          <p:cNvSpPr txBox="1"/>
+          <p:nvPr/>
+        </p:nvSpPr>
+        <p:spPr>
+          <a:xfrm>
+            <a:off x="1822137" y="1305325"/>
+            <a:ext cx="2893102" cy="461665"/>
+          </a:xfrm>
+          <a:prstGeom prst="rect">
+            <a:avLst/>
+          </a:prstGeom>
+          <a:noFill/>
+        </p:spPr>
+        <p:txBody>
+          <a:bodyPr wrap="square" rtlCol="0">
+            <a:spAutoFit/>
+          </a:bodyPr>
+          <a:lstStyle/>
+          <a:p>
+            <a:r>
+              <a:rPr lang="en-US" sz="2400" dirty="0" smtClean="0"/>
+              <a:t>%</a:t>
+            </a:r>
+            <a:r>
+              <a:rPr lang="en-US" sz="2400" smtClean="0"/>
+              <a:t>age decoding time</a:t>
+            </a:r>
+            <a:endParaRPr lang="en-US" sz="2400"/>
+          </a:p>
+        </p:txBody>
+      </p:sp>
+    </p:spTree>
+    <p:extLst>
+      <p:ext uri="{BB962C8B-B14F-4D97-AF65-F5344CB8AC3E}">
+        <p14:creationId xmlns:p14="http://schemas.microsoft.com/office/powerpoint/2010/main" val="1013409687"/>
+      </p:ext>
+    </p:extLst>
+  </p:cSld>
+  <p:clrMapOvr>
+    <a:masterClrMapping/>
+  </p:clrMapOvr>
+</p:sld>
+</file>
+
+<file path=ppt/slides/slide12.xml><?xml version="1.0" encoding="utf-8"?>
+<p:sld xmlns:a="http://schemas.openxmlformats.org/drawingml/2006/main" xmlns:r="http://schemas.openxmlformats.org/officeDocument/2006/relationships" xmlns:p="http://schemas.openxmlformats.org/presentationml/2006/main">
+  <p:cSld>
+    <p:spTree>
+      <p:nvGrpSpPr>
+        <p:cNvPr id="1" name=""/>
+        <p:cNvGrpSpPr/>
+        <p:nvPr/>
+      </p:nvGrpSpPr>
+      <p:grpSpPr>
+        <a:xfrm>
+          <a:off x="0" y="0"/>
+          <a:ext cx="0" cy="0"/>
+          <a:chOff x="0" y="0"/>
+          <a:chExt cx="0" cy="0"/>
+        </a:xfrm>
+      </p:grpSpPr>
+      <p:sp>
+        <p:nvSpPr>
+          <p:cNvPr id="2" name="Title 1"/>
+          <p:cNvSpPr>
+            <a:spLocks noGrp="1"/>
+          </p:cNvSpPr>
+          <p:nvPr>
+            <p:ph type="title"/>
+          </p:nvPr>
+        </p:nvSpPr>
+        <p:spPr/>
+        <p:txBody>
+          <a:bodyPr/>
+          <a:lstStyle/>
+          <a:p>
+            <a:r>
+              <a:rPr lang="en-US" dirty="0" smtClean="0"/>
+              <a:t>Stack Configuration</a:t>
+            </a:r>
+            <a:endParaRPr lang="en-US" dirty="0"/>
+          </a:p>
+        </p:txBody>
+      </p:sp>
+      <p:sp>
+        <p:nvSpPr>
+          <p:cNvPr id="3" name="Content Placeholder 2"/>
+          <p:cNvSpPr>
+            <a:spLocks noGrp="1"/>
+          </p:cNvSpPr>
+          <p:nvPr>
+            <p:ph idx="1"/>
+          </p:nvPr>
+        </p:nvSpPr>
+        <p:spPr/>
+        <p:txBody>
+          <a:bodyPr/>
+          <a:lstStyle/>
+          <a:p>
+            <a:r>
+              <a:rPr lang="en-US" dirty="0" smtClean="0"/>
+              <a:t>Moses</a:t>
+            </a:r>
+          </a:p>
+          <a:p>
+            <a:pPr lvl="1"/>
+            <a:r>
+              <a:rPr lang="en-US" dirty="0" smtClean="0"/>
+              <a:t>Coverage cardinality</a:t>
+            </a:r>
+            <a:endParaRPr lang="en-US" dirty="0"/>
+          </a:p>
+        </p:txBody>
+      </p:sp>
+      <p:pic>
+        <p:nvPicPr>
+          <p:cNvPr id="4" name="Picture 3"/>
+          <p:cNvPicPr>
+            <a:picLocks noChangeAspect="1"/>
+          </p:cNvPicPr>
+          <p:nvPr/>
+        </p:nvPicPr>
+        <p:blipFill>
+          <a:blip r:embed="rId2"/>
+          <a:stretch>
+            <a:fillRect/>
+          </a:stretch>
+        </p:blipFill>
+        <p:spPr>
+          <a:xfrm>
+            <a:off x="2667000" y="2656254"/>
+            <a:ext cx="6858000" cy="3937000"/>
+          </a:xfrm>
+          <a:prstGeom prst="rect">
+            <a:avLst/>
+          </a:prstGeom>
+        </p:spPr>
+      </p:pic>
+    </p:spTree>
+    <p:extLst>
+      <p:ext uri="{BB962C8B-B14F-4D97-AF65-F5344CB8AC3E}">
+        <p14:creationId xmlns:p14="http://schemas.microsoft.com/office/powerpoint/2010/main" val="1905566323"/>
+      </p:ext>
+    </p:extLst>
+  </p:cSld>
+  <p:clrMapOvr>
+    <a:masterClrMapping/>
+  </p:clrMapOvr>
+</p:sld>
+</file>
+
+<file path=ppt/slides/slide13.xml><?xml version="1.0" encoding="utf-8"?>
+<p:sld xmlns:a="http://schemas.openxmlformats.org/drawingml/2006/main" xmlns:r="http://schemas.openxmlformats.org/officeDocument/2006/relationships" xmlns:p="http://schemas.openxmlformats.org/presentationml/2006/main">
+  <p:cSld>
+    <p:spTree>
+      <p:nvGrpSpPr>
+        <p:cNvPr id="1" name=""/>
+        <p:cNvGrpSpPr/>
+        <p:nvPr/>
+      </p:nvGrpSpPr>
+      <p:grpSpPr>
+        <a:xfrm>
+          <a:off x="0" y="0"/>
+          <a:ext cx="0" cy="0"/>
+          <a:chOff x="0" y="0"/>
+          <a:chExt cx="0" cy="0"/>
+        </a:xfrm>
+      </p:grpSpPr>
+      <p:sp>
+        <p:nvSpPr>
+          <p:cNvPr id="2" name="Title 1"/>
+          <p:cNvSpPr>
+            <a:spLocks noGrp="1"/>
+          </p:cNvSpPr>
+          <p:nvPr>
+            <p:ph type="title"/>
+          </p:nvPr>
+        </p:nvSpPr>
+        <p:spPr/>
+        <p:txBody>
+          <a:bodyPr/>
+          <a:lstStyle/>
+          <a:p>
+            <a:r>
+              <a:rPr lang="en-US" dirty="0"/>
+              <a:t>Stack Configuration</a:t>
+            </a:r>
+          </a:p>
+        </p:txBody>
+      </p:sp>
+      <p:sp>
+        <p:nvSpPr>
+          <p:cNvPr id="3" name="Content Placeholder 2"/>
+          <p:cNvSpPr>
+            <a:spLocks noGrp="1"/>
+          </p:cNvSpPr>
+          <p:nvPr>
+            <p:ph idx="1"/>
+          </p:nvPr>
+        </p:nvSpPr>
+        <p:spPr/>
+        <p:txBody>
+          <a:bodyPr/>
+          <a:lstStyle/>
+          <a:p>
+            <a:r>
+              <a:rPr lang="en-US" dirty="0" smtClean="0"/>
+              <a:t>Our Work</a:t>
+            </a:r>
+          </a:p>
+          <a:p>
+            <a:pPr lvl="1"/>
+            <a:r>
+              <a:rPr lang="en-US" dirty="0" smtClean="0"/>
+              <a:t>Coverage</a:t>
+            </a:r>
+            <a:endParaRPr lang="en-US" dirty="0"/>
+          </a:p>
+        </p:txBody>
+      </p:sp>
+      <p:sp>
+        <p:nvSpPr>
+          <p:cNvPr id="4" name="Rectangle 3"/>
+          <p:cNvSpPr/>
+          <p:nvPr/>
+        </p:nvSpPr>
+        <p:spPr>
+          <a:xfrm>
+            <a:off x="1808257" y="3526430"/>
+            <a:ext cx="1300145" cy="422477"/>
+          </a:xfrm>
+          <a:prstGeom prst="rect">
+            <a:avLst/>
+          </a:prstGeom>
+          <a:noFill/>
+        </p:spPr>
+        <p:style>
+          <a:lnRef idx="2">
+            <a:schemeClr val="accent1">
+              <a:shade val="50000"/>
+            </a:schemeClr>
+          </a:lnRef>
+          <a:fillRef idx="1">
+            <a:schemeClr val="accent1"/>
+          </a:fillRef>
+          <a:effectRef idx="0">
+            <a:schemeClr val="accent1"/>
+          </a:effectRef>
+          <a:fontRef idx="minor">
+            <a:schemeClr val="lt1"/>
+          </a:fontRef>
+        </p:style>
+        <p:txBody>
+          <a:bodyPr rtlCol="0" anchor="ctr"/>
+          <a:lstStyle/>
+          <a:p>
+            <a:pPr algn="ctr"/>
+            <a:endParaRPr lang="en-US"/>
+          </a:p>
+        </p:txBody>
+      </p:sp>
+      <p:sp>
+        <p:nvSpPr>
+          <p:cNvPr id="5" name="Rectangle 4"/>
+          <p:cNvSpPr/>
+          <p:nvPr/>
+        </p:nvSpPr>
+        <p:spPr>
+          <a:xfrm>
+            <a:off x="1808257" y="3526430"/>
+            <a:ext cx="260029" cy="168477"/>
+          </a:xfrm>
+          <a:prstGeom prst="rect">
+            <a:avLst/>
+          </a:prstGeom>
+          <a:noFill/>
+        </p:spPr>
+        <p:style>
+          <a:lnRef idx="2">
+            <a:schemeClr val="accent1">
+              <a:shade val="50000"/>
+            </a:schemeClr>
+          </a:lnRef>
+          <a:fillRef idx="1">
+            <a:schemeClr val="accent1"/>
+          </a:fillRef>
+          <a:effectRef idx="0">
+            <a:schemeClr val="accent1"/>
+          </a:effectRef>
+          <a:fontRef idx="minor">
+            <a:schemeClr val="lt1"/>
+          </a:fontRef>
+        </p:style>
+        <p:txBody>
+          <a:bodyPr rtlCol="0" anchor="ctr"/>
+          <a:lstStyle/>
+          <a:p>
+            <a:pPr algn="ctr"/>
+            <a:endParaRPr lang="en-US"/>
+          </a:p>
+        </p:txBody>
+      </p:sp>
+      <p:sp>
+        <p:nvSpPr>
+          <p:cNvPr id="6" name="Rectangle 5"/>
+          <p:cNvSpPr/>
+          <p:nvPr/>
+        </p:nvSpPr>
+        <p:spPr>
+          <a:xfrm>
+            <a:off x="2068286" y="3526430"/>
+            <a:ext cx="260029" cy="168477"/>
+          </a:xfrm>
+          <a:prstGeom prst="rect">
+            <a:avLst/>
+          </a:prstGeom>
+          <a:noFill/>
+        </p:spPr>
+        <p:style>
+          <a:lnRef idx="2">
+            <a:schemeClr val="accent1">
+              <a:shade val="50000"/>
+            </a:schemeClr>
+          </a:lnRef>
+          <a:fillRef idx="1">
+            <a:schemeClr val="accent1"/>
+          </a:fillRef>
+          <a:effectRef idx="0">
+            <a:schemeClr val="accent1"/>
+          </a:effectRef>
+          <a:fontRef idx="minor">
+            <a:schemeClr val="lt1"/>
+          </a:fontRef>
+        </p:style>
+        <p:txBody>
+          <a:bodyPr rtlCol="0" anchor="ctr"/>
+          <a:lstStyle/>
+          <a:p>
+            <a:pPr algn="ctr"/>
+            <a:endParaRPr lang="en-US"/>
+          </a:p>
+        </p:txBody>
+      </p:sp>
+      <p:sp>
+        <p:nvSpPr>
+          <p:cNvPr id="7" name="Rectangle 6"/>
+          <p:cNvSpPr/>
+          <p:nvPr/>
+        </p:nvSpPr>
+        <p:spPr>
+          <a:xfrm>
+            <a:off x="2328315" y="3526430"/>
+            <a:ext cx="260029" cy="168477"/>
+          </a:xfrm>
+          <a:prstGeom prst="rect">
+            <a:avLst/>
+          </a:prstGeom>
+          <a:noFill/>
+        </p:spPr>
+        <p:style>
+          <a:lnRef idx="2">
+            <a:schemeClr val="accent1">
+              <a:shade val="50000"/>
+            </a:schemeClr>
+          </a:lnRef>
+          <a:fillRef idx="1">
+            <a:schemeClr val="accent1"/>
+          </a:fillRef>
+          <a:effectRef idx="0">
+            <a:schemeClr val="accent1"/>
+          </a:effectRef>
+          <a:fontRef idx="minor">
+            <a:schemeClr val="lt1"/>
+          </a:fontRef>
+        </p:style>
+        <p:txBody>
+          <a:bodyPr rtlCol="0" anchor="ctr"/>
+          <a:lstStyle/>
+          <a:p>
+            <a:pPr algn="ctr"/>
+            <a:endParaRPr lang="en-US"/>
+          </a:p>
+        </p:txBody>
+      </p:sp>
+      <p:sp>
+        <p:nvSpPr>
+          <p:cNvPr id="8" name="Rectangle 7"/>
+          <p:cNvSpPr/>
+          <p:nvPr/>
+        </p:nvSpPr>
+        <p:spPr>
+          <a:xfrm>
+            <a:off x="2578630" y="3526430"/>
+            <a:ext cx="260029" cy="168477"/>
+          </a:xfrm>
+          <a:prstGeom prst="rect">
+            <a:avLst/>
+          </a:prstGeom>
+          <a:noFill/>
+        </p:spPr>
+        <p:style>
+          <a:lnRef idx="2">
+            <a:schemeClr val="accent1">
+              <a:shade val="50000"/>
+            </a:schemeClr>
+          </a:lnRef>
+          <a:fillRef idx="1">
+            <a:schemeClr val="accent1"/>
+          </a:fillRef>
+          <a:effectRef idx="0">
+            <a:schemeClr val="accent1"/>
+          </a:effectRef>
+          <a:fontRef idx="minor">
+            <a:schemeClr val="lt1"/>
+          </a:fontRef>
+        </p:style>
+        <p:txBody>
+          <a:bodyPr rtlCol="0" anchor="ctr"/>
+          <a:lstStyle/>
+          <a:p>
+            <a:pPr algn="ctr"/>
+            <a:endParaRPr lang="en-US"/>
+          </a:p>
+        </p:txBody>
+      </p:sp>
+      <p:sp>
+        <p:nvSpPr>
+          <p:cNvPr id="9" name="Rectangle 8"/>
+          <p:cNvSpPr/>
+          <p:nvPr/>
+        </p:nvSpPr>
+        <p:spPr>
+          <a:xfrm>
+            <a:off x="2848373" y="3526430"/>
+            <a:ext cx="260029" cy="168477"/>
+          </a:xfrm>
+          <a:prstGeom prst="rect">
+            <a:avLst/>
+          </a:prstGeom>
+          <a:noFill/>
+        </p:spPr>
+        <p:style>
+          <a:lnRef idx="2">
+            <a:schemeClr val="accent1">
+              <a:shade val="50000"/>
+            </a:schemeClr>
+          </a:lnRef>
+          <a:fillRef idx="1">
+            <a:schemeClr val="accent1"/>
+          </a:fillRef>
+          <a:effectRef idx="0">
+            <a:schemeClr val="accent1"/>
+          </a:effectRef>
+          <a:fontRef idx="minor">
+            <a:schemeClr val="lt1"/>
+          </a:fontRef>
+        </p:style>
+        <p:txBody>
+          <a:bodyPr rtlCol="0" anchor="ctr"/>
+          <a:lstStyle/>
+          <a:p>
+            <a:pPr algn="ctr"/>
+            <a:endParaRPr lang="en-US"/>
+          </a:p>
+        </p:txBody>
+      </p:sp>
+      <p:grpSp>
+        <p:nvGrpSpPr>
+          <p:cNvPr id="41" name="Group 40"/>
+          <p:cNvGrpSpPr/>
+          <p:nvPr/>
+        </p:nvGrpSpPr>
+        <p:grpSpPr>
+          <a:xfrm>
+            <a:off x="4558714" y="2284437"/>
+            <a:ext cx="1300145" cy="422477"/>
+            <a:chOff x="4558714" y="2284437"/>
+            <a:chExt cx="1300145" cy="422477"/>
+          </a:xfrm>
+        </p:grpSpPr>
+        <p:sp>
+          <p:nvSpPr>
+            <p:cNvPr id="10" name="Rectangle 9"/>
+            <p:cNvSpPr/>
+            <p:nvPr/>
+          </p:nvSpPr>
+          <p:spPr>
+            <a:xfrm>
+              <a:off x="4558714" y="2284437"/>
+              <a:ext cx="1300145" cy="422477"/>
+            </a:xfrm>
+            <a:prstGeom prst="rect">
+              <a:avLst/>
+            </a:prstGeom>
+            <a:noFill/>
+          </p:spPr>
+          <p:style>
+            <a:lnRef idx="2">
+              <a:schemeClr val="accent1">
+                <a:shade val="50000"/>
+              </a:schemeClr>
+            </a:lnRef>
+            <a:fillRef idx="1">
+              <a:schemeClr val="accent1"/>
+            </a:fillRef>
+            <a:effectRef idx="0">
+              <a:schemeClr val="accent1"/>
+            </a:effectRef>
+            <a:fontRef idx="minor">
+              <a:schemeClr val="lt1"/>
+            </a:fontRef>
+          </p:style>
+          <p:txBody>
+            <a:bodyPr rtlCol="0" anchor="ctr"/>
+            <a:lstStyle/>
+            <a:p>
+              <a:pPr algn="ctr"/>
+              <a:r>
+                <a:rPr lang="en-US" smtClean="0"/>
+                <a:t>`</a:t>
+              </a:r>
+              <a:endParaRPr lang="en-US"/>
+            </a:p>
+          </p:txBody>
+        </p:sp>
+        <p:sp>
+          <p:nvSpPr>
+            <p:cNvPr id="11" name="Rectangle 10"/>
+            <p:cNvSpPr/>
+            <p:nvPr/>
+          </p:nvSpPr>
+          <p:spPr>
+            <a:xfrm>
+              <a:off x="4558714" y="2284437"/>
+              <a:ext cx="260029" cy="168477"/>
+            </a:xfrm>
+            <a:prstGeom prst="rect">
+              <a:avLst/>
+            </a:prstGeom>
+            <a:solidFill>
+              <a:schemeClr val="accent1"/>
+            </a:solidFill>
+          </p:spPr>
+          <p:style>
+            <a:lnRef idx="2">
+              <a:schemeClr val="accent1">
+                <a:shade val="50000"/>
+              </a:schemeClr>
+            </a:lnRef>
+            <a:fillRef idx="1">
+              <a:schemeClr val="accent1"/>
+            </a:fillRef>
+            <a:effectRef idx="0">
+              <a:schemeClr val="accent1"/>
+            </a:effectRef>
+            <a:fontRef idx="minor">
+              <a:schemeClr val="lt1"/>
+            </a:fontRef>
+          </p:style>
+          <p:txBody>
+            <a:bodyPr rtlCol="0" anchor="ctr"/>
+            <a:lstStyle/>
+            <a:p>
+              <a:pPr algn="ctr"/>
+              <a:endParaRPr lang="en-US"/>
+            </a:p>
+          </p:txBody>
+        </p:sp>
+        <p:sp>
+          <p:nvSpPr>
+            <p:cNvPr id="12" name="Rectangle 11"/>
+            <p:cNvSpPr/>
+            <p:nvPr/>
+          </p:nvSpPr>
+          <p:spPr>
+            <a:xfrm>
+              <a:off x="4818743" y="2284437"/>
+              <a:ext cx="260029" cy="168477"/>
+            </a:xfrm>
+            <a:prstGeom prst="rect">
+              <a:avLst/>
+            </a:prstGeom>
+            <a:noFill/>
+          </p:spPr>
+          <p:style>
+            <a:lnRef idx="2">
+              <a:schemeClr val="accent1">
+                <a:shade val="50000"/>
+              </a:schemeClr>
+            </a:lnRef>
+            <a:fillRef idx="1">
+              <a:schemeClr val="accent1"/>
+            </a:fillRef>
+            <a:effectRef idx="0">
+              <a:schemeClr val="accent1"/>
+            </a:effectRef>
+            <a:fontRef idx="minor">
+              <a:schemeClr val="lt1"/>
+            </a:fontRef>
+          </p:style>
+          <p:txBody>
+            <a:bodyPr rtlCol="0" anchor="ctr"/>
+            <a:lstStyle/>
+            <a:p>
+              <a:pPr algn="ctr"/>
+              <a:endParaRPr lang="en-US"/>
+            </a:p>
+          </p:txBody>
+        </p:sp>
+        <p:sp>
+          <p:nvSpPr>
+            <p:cNvPr id="13" name="Rectangle 12"/>
+            <p:cNvSpPr/>
+            <p:nvPr/>
+          </p:nvSpPr>
+          <p:spPr>
+            <a:xfrm>
+              <a:off x="5078772" y="2284437"/>
+              <a:ext cx="260029" cy="168477"/>
+            </a:xfrm>
+            <a:prstGeom prst="rect">
+              <a:avLst/>
+            </a:prstGeom>
+            <a:noFill/>
+          </p:spPr>
+          <p:style>
+            <a:lnRef idx="2">
+              <a:schemeClr val="accent1">
+                <a:shade val="50000"/>
+              </a:schemeClr>
+            </a:lnRef>
+            <a:fillRef idx="1">
+              <a:schemeClr val="accent1"/>
+            </a:fillRef>
+            <a:effectRef idx="0">
+              <a:schemeClr val="accent1"/>
+            </a:effectRef>
+            <a:fontRef idx="minor">
+              <a:schemeClr val="lt1"/>
+            </a:fontRef>
+          </p:style>
+          <p:txBody>
+            <a:bodyPr rtlCol="0" anchor="ctr"/>
+            <a:lstStyle/>
+            <a:p>
+              <a:pPr algn="ctr"/>
+              <a:endParaRPr lang="en-US"/>
+            </a:p>
+          </p:txBody>
+        </p:sp>
+        <p:sp>
+          <p:nvSpPr>
+            <p:cNvPr id="14" name="Rectangle 13"/>
+            <p:cNvSpPr/>
+            <p:nvPr/>
+          </p:nvSpPr>
+          <p:spPr>
+            <a:xfrm>
+              <a:off x="5343601" y="2284437"/>
+              <a:ext cx="260029" cy="168477"/>
+            </a:xfrm>
+            <a:prstGeom prst="rect">
+              <a:avLst/>
+            </a:prstGeom>
+            <a:noFill/>
+          </p:spPr>
+          <p:style>
+            <a:lnRef idx="2">
+              <a:schemeClr val="accent1">
+                <a:shade val="50000"/>
+              </a:schemeClr>
+            </a:lnRef>
+            <a:fillRef idx="1">
+              <a:schemeClr val="accent1"/>
+            </a:fillRef>
+            <a:effectRef idx="0">
+              <a:schemeClr val="accent1"/>
+            </a:effectRef>
+            <a:fontRef idx="minor">
+              <a:schemeClr val="lt1"/>
+            </a:fontRef>
+          </p:style>
+          <p:txBody>
+            <a:bodyPr rtlCol="0" anchor="ctr"/>
+            <a:lstStyle/>
+            <a:p>
+              <a:pPr algn="ctr"/>
+              <a:endParaRPr lang="en-US"/>
+            </a:p>
+          </p:txBody>
+        </p:sp>
+        <p:sp>
+          <p:nvSpPr>
+            <p:cNvPr id="15" name="Rectangle 14"/>
+            <p:cNvSpPr/>
+            <p:nvPr/>
+          </p:nvSpPr>
+          <p:spPr>
+            <a:xfrm>
+              <a:off x="5598830" y="2284437"/>
+              <a:ext cx="260029" cy="168477"/>
+            </a:xfrm>
+            <a:prstGeom prst="rect">
+              <a:avLst/>
+            </a:prstGeom>
+            <a:noFill/>
+          </p:spPr>
+          <p:style>
+            <a:lnRef idx="2">
+              <a:schemeClr val="accent1">
+                <a:shade val="50000"/>
+              </a:schemeClr>
+            </a:lnRef>
+            <a:fillRef idx="1">
+              <a:schemeClr val="accent1"/>
+            </a:fillRef>
+            <a:effectRef idx="0">
+              <a:schemeClr val="accent1"/>
+            </a:effectRef>
+            <a:fontRef idx="minor">
+              <a:schemeClr val="lt1"/>
+            </a:fontRef>
+          </p:style>
+          <p:txBody>
+            <a:bodyPr rtlCol="0" anchor="ctr"/>
+            <a:lstStyle/>
+            <a:p>
+              <a:pPr algn="ctr"/>
+              <a:endParaRPr lang="en-US"/>
+            </a:p>
+          </p:txBody>
+        </p:sp>
+      </p:grpSp>
+      <p:grpSp>
+        <p:nvGrpSpPr>
+          <p:cNvPr id="42" name="Group 41"/>
+          <p:cNvGrpSpPr/>
+          <p:nvPr/>
+        </p:nvGrpSpPr>
+        <p:grpSpPr>
+          <a:xfrm>
+            <a:off x="4558713" y="2848023"/>
+            <a:ext cx="1300145" cy="422477"/>
+            <a:chOff x="4558714" y="2284437"/>
+            <a:chExt cx="1300145" cy="422477"/>
+          </a:xfrm>
+        </p:grpSpPr>
+        <p:sp>
+          <p:nvSpPr>
+            <p:cNvPr id="43" name="Rectangle 42"/>
+            <p:cNvSpPr/>
+            <p:nvPr/>
+          </p:nvSpPr>
+          <p:spPr>
+            <a:xfrm>
+              <a:off x="4558714" y="2284437"/>
+              <a:ext cx="1300145" cy="422477"/>
+            </a:xfrm>
+            <a:prstGeom prst="rect">
+              <a:avLst/>
+            </a:prstGeom>
+            <a:noFill/>
+          </p:spPr>
+          <p:style>
+            <a:lnRef idx="2">
+              <a:schemeClr val="accent1">
+                <a:shade val="50000"/>
+              </a:schemeClr>
+            </a:lnRef>
+            <a:fillRef idx="1">
+              <a:schemeClr val="accent1"/>
+            </a:fillRef>
+            <a:effectRef idx="0">
+              <a:schemeClr val="accent1"/>
+            </a:effectRef>
+            <a:fontRef idx="minor">
+              <a:schemeClr val="lt1"/>
+            </a:fontRef>
+          </p:style>
+          <p:txBody>
+            <a:bodyPr rtlCol="0" anchor="ctr"/>
+            <a:lstStyle/>
+            <a:p>
+              <a:pPr algn="ctr"/>
+              <a:r>
+                <a:rPr lang="en-US" smtClean="0"/>
+                <a:t>`</a:t>
+              </a:r>
+              <a:endParaRPr lang="en-US"/>
+            </a:p>
+          </p:txBody>
+        </p:sp>
+        <p:sp>
+          <p:nvSpPr>
+            <p:cNvPr id="44" name="Rectangle 43"/>
+            <p:cNvSpPr/>
+            <p:nvPr/>
+          </p:nvSpPr>
+          <p:spPr>
+            <a:xfrm>
+              <a:off x="4558714" y="2284437"/>
+              <a:ext cx="260029" cy="168477"/>
+            </a:xfrm>
+            <a:prstGeom prst="rect">
+              <a:avLst/>
+            </a:prstGeom>
+            <a:solidFill>
+              <a:schemeClr val="accent1"/>
+            </a:solidFill>
+          </p:spPr>
+          <p:style>
+            <a:lnRef idx="2">
+              <a:schemeClr val="accent1">
+                <a:shade val="50000"/>
+              </a:schemeClr>
+            </a:lnRef>
+            <a:fillRef idx="1">
+              <a:schemeClr val="accent1"/>
+            </a:fillRef>
+            <a:effectRef idx="0">
+              <a:schemeClr val="accent1"/>
+            </a:effectRef>
+            <a:fontRef idx="minor">
+              <a:schemeClr val="lt1"/>
+            </a:fontRef>
+          </p:style>
+          <p:txBody>
+            <a:bodyPr rtlCol="0" anchor="ctr"/>
+            <a:lstStyle/>
+            <a:p>
+              <a:pPr algn="ctr"/>
+              <a:endParaRPr lang="en-US"/>
+            </a:p>
+          </p:txBody>
+        </p:sp>
+        <p:sp>
+          <p:nvSpPr>
+            <p:cNvPr id="45" name="Rectangle 44"/>
+            <p:cNvSpPr/>
+            <p:nvPr/>
+          </p:nvSpPr>
+          <p:spPr>
+            <a:xfrm>
+              <a:off x="4818743" y="2284437"/>
+              <a:ext cx="260029" cy="168477"/>
+            </a:xfrm>
+            <a:prstGeom prst="rect">
+              <a:avLst/>
+            </a:prstGeom>
+            <a:noFill/>
+          </p:spPr>
+          <p:style>
+            <a:lnRef idx="2">
+              <a:schemeClr val="accent1">
+                <a:shade val="50000"/>
+              </a:schemeClr>
+            </a:lnRef>
+            <a:fillRef idx="1">
+              <a:schemeClr val="accent1"/>
+            </a:fillRef>
+            <a:effectRef idx="0">
+              <a:schemeClr val="accent1"/>
+            </a:effectRef>
+            <a:fontRef idx="minor">
+              <a:schemeClr val="lt1"/>
+            </a:fontRef>
+          </p:style>
+          <p:txBody>
+            <a:bodyPr rtlCol="0" anchor="ctr"/>
+            <a:lstStyle/>
+            <a:p>
+              <a:pPr algn="ctr"/>
+              <a:endParaRPr lang="en-US"/>
+            </a:p>
+          </p:txBody>
+        </p:sp>
+        <p:sp>
+          <p:nvSpPr>
+            <p:cNvPr id="46" name="Rectangle 45"/>
+            <p:cNvSpPr/>
+            <p:nvPr/>
+          </p:nvSpPr>
+          <p:spPr>
+            <a:xfrm>
+              <a:off x="5078772" y="2284437"/>
+              <a:ext cx="260029" cy="168477"/>
+            </a:xfrm>
+            <a:prstGeom prst="rect">
+              <a:avLst/>
+            </a:prstGeom>
+            <a:noFill/>
+          </p:spPr>
+          <p:style>
+            <a:lnRef idx="2">
+              <a:schemeClr val="accent1">
+                <a:shade val="50000"/>
+              </a:schemeClr>
+            </a:lnRef>
+            <a:fillRef idx="1">
+              <a:schemeClr val="accent1"/>
+            </a:fillRef>
+            <a:effectRef idx="0">
+              <a:schemeClr val="accent1"/>
+            </a:effectRef>
+            <a:fontRef idx="minor">
+              <a:schemeClr val="lt1"/>
+            </a:fontRef>
+          </p:style>
+          <p:txBody>
+            <a:bodyPr rtlCol="0" anchor="ctr"/>
+            <a:lstStyle/>
+            <a:p>
+              <a:pPr algn="ctr"/>
+              <a:endParaRPr lang="en-US"/>
+            </a:p>
+          </p:txBody>
+        </p:sp>
+        <p:sp>
+          <p:nvSpPr>
+            <p:cNvPr id="47" name="Rectangle 46"/>
+            <p:cNvSpPr/>
+            <p:nvPr/>
+          </p:nvSpPr>
+          <p:spPr>
+            <a:xfrm>
+              <a:off x="5343601" y="2284437"/>
+              <a:ext cx="260029" cy="168477"/>
+            </a:xfrm>
+            <a:prstGeom prst="rect">
+              <a:avLst/>
+            </a:prstGeom>
+            <a:noFill/>
+          </p:spPr>
+          <p:style>
+            <a:lnRef idx="2">
+              <a:schemeClr val="accent1">
+                <a:shade val="50000"/>
+              </a:schemeClr>
+            </a:lnRef>
+            <a:fillRef idx="1">
+              <a:schemeClr val="accent1"/>
+            </a:fillRef>
+            <a:effectRef idx="0">
+              <a:schemeClr val="accent1"/>
+            </a:effectRef>
+            <a:fontRef idx="minor">
+              <a:schemeClr val="lt1"/>
+            </a:fontRef>
+          </p:style>
+          <p:txBody>
+            <a:bodyPr rtlCol="0" anchor="ctr"/>
+            <a:lstStyle/>
+            <a:p>
+              <a:pPr algn="ctr"/>
+              <a:endParaRPr lang="en-US"/>
+            </a:p>
+          </p:txBody>
+        </p:sp>
+        <p:sp>
+          <p:nvSpPr>
+            <p:cNvPr id="48" name="Rectangle 47"/>
+            <p:cNvSpPr/>
+            <p:nvPr/>
+          </p:nvSpPr>
+          <p:spPr>
+            <a:xfrm>
+              <a:off x="5598830" y="2284437"/>
+              <a:ext cx="260029" cy="168477"/>
+            </a:xfrm>
+            <a:prstGeom prst="rect">
+              <a:avLst/>
+            </a:prstGeom>
+            <a:noFill/>
+          </p:spPr>
+          <p:style>
+            <a:lnRef idx="2">
+              <a:schemeClr val="accent1">
+                <a:shade val="50000"/>
+              </a:schemeClr>
+            </a:lnRef>
+            <a:fillRef idx="1">
+              <a:schemeClr val="accent1"/>
+            </a:fillRef>
+            <a:effectRef idx="0">
+              <a:schemeClr val="accent1"/>
+            </a:effectRef>
+            <a:fontRef idx="minor">
+              <a:schemeClr val="lt1"/>
+            </a:fontRef>
+          </p:style>
+          <p:txBody>
+            <a:bodyPr rtlCol="0" anchor="ctr"/>
+            <a:lstStyle/>
+            <a:p>
+              <a:pPr algn="ctr"/>
+              <a:endParaRPr lang="en-US"/>
+            </a:p>
+          </p:txBody>
+        </p:sp>
+      </p:grpSp>
+      <p:grpSp>
+        <p:nvGrpSpPr>
+          <p:cNvPr id="62" name="Group 61"/>
+          <p:cNvGrpSpPr/>
+          <p:nvPr/>
+        </p:nvGrpSpPr>
+        <p:grpSpPr>
+          <a:xfrm>
+            <a:off x="4298684" y="3948907"/>
+            <a:ext cx="1300145" cy="422477"/>
+            <a:chOff x="4298684" y="3948907"/>
+            <a:chExt cx="1300145" cy="422477"/>
+          </a:xfrm>
+        </p:grpSpPr>
+        <p:sp>
+          <p:nvSpPr>
+            <p:cNvPr id="56" name="Rectangle 55"/>
+            <p:cNvSpPr/>
+            <p:nvPr/>
+          </p:nvSpPr>
+          <p:spPr>
+            <a:xfrm>
+              <a:off x="4298684" y="3948907"/>
+              <a:ext cx="1300145" cy="422477"/>
+            </a:xfrm>
+            <a:prstGeom prst="rect">
+              <a:avLst/>
+            </a:prstGeom>
+            <a:noFill/>
+          </p:spPr>
+          <p:style>
+            <a:lnRef idx="2">
+              <a:schemeClr val="accent1">
+                <a:shade val="50000"/>
+              </a:schemeClr>
+            </a:lnRef>
+            <a:fillRef idx="1">
+              <a:schemeClr val="accent1"/>
+            </a:fillRef>
+            <a:effectRef idx="0">
+              <a:schemeClr val="accent1"/>
+            </a:effectRef>
+            <a:fontRef idx="minor">
+              <a:schemeClr val="lt1"/>
+            </a:fontRef>
+          </p:style>
+          <p:txBody>
+            <a:bodyPr rtlCol="0" anchor="ctr"/>
+            <a:lstStyle/>
+            <a:p>
+              <a:pPr algn="ctr"/>
+              <a:endParaRPr lang="en-US"/>
+            </a:p>
+          </p:txBody>
+        </p:sp>
+        <p:sp>
+          <p:nvSpPr>
+            <p:cNvPr id="57" name="Rectangle 56"/>
+            <p:cNvSpPr/>
+            <p:nvPr/>
+          </p:nvSpPr>
+          <p:spPr>
+            <a:xfrm>
+              <a:off x="4298684" y="3948907"/>
+              <a:ext cx="260029" cy="168477"/>
+            </a:xfrm>
+            <a:prstGeom prst="rect">
+              <a:avLst/>
+            </a:prstGeom>
+            <a:noFill/>
+          </p:spPr>
+          <p:style>
+            <a:lnRef idx="2">
+              <a:schemeClr val="accent1">
+                <a:shade val="50000"/>
+              </a:schemeClr>
+            </a:lnRef>
+            <a:fillRef idx="1">
+              <a:schemeClr val="accent1"/>
+            </a:fillRef>
+            <a:effectRef idx="0">
+              <a:schemeClr val="accent1"/>
+            </a:effectRef>
+            <a:fontRef idx="minor">
+              <a:schemeClr val="lt1"/>
+            </a:fontRef>
+          </p:style>
+          <p:txBody>
+            <a:bodyPr rtlCol="0" anchor="ctr"/>
+            <a:lstStyle/>
+            <a:p>
+              <a:pPr algn="ctr"/>
+              <a:endParaRPr lang="en-US"/>
+            </a:p>
+          </p:txBody>
+        </p:sp>
+        <p:sp>
+          <p:nvSpPr>
+            <p:cNvPr id="58" name="Rectangle 57"/>
+            <p:cNvSpPr/>
+            <p:nvPr/>
+          </p:nvSpPr>
+          <p:spPr>
+            <a:xfrm>
+              <a:off x="4558713" y="3948907"/>
+              <a:ext cx="260029" cy="168477"/>
+            </a:xfrm>
+            <a:prstGeom prst="rect">
+              <a:avLst/>
+            </a:prstGeom>
+            <a:solidFill>
+              <a:schemeClr val="accent1"/>
+            </a:solidFill>
+          </p:spPr>
+          <p:style>
+            <a:lnRef idx="2">
+              <a:schemeClr val="accent1">
+                <a:shade val="50000"/>
+              </a:schemeClr>
+            </a:lnRef>
+            <a:fillRef idx="1">
+              <a:schemeClr val="accent1"/>
+            </a:fillRef>
+            <a:effectRef idx="0">
+              <a:schemeClr val="accent1"/>
+            </a:effectRef>
+            <a:fontRef idx="minor">
+              <a:schemeClr val="lt1"/>
+            </a:fontRef>
+          </p:style>
+          <p:txBody>
+            <a:bodyPr rtlCol="0" anchor="ctr"/>
+            <a:lstStyle/>
+            <a:p>
+              <a:pPr algn="ctr"/>
+              <a:endParaRPr lang="en-US"/>
+            </a:p>
+          </p:txBody>
+        </p:sp>
+        <p:sp>
+          <p:nvSpPr>
+            <p:cNvPr id="59" name="Rectangle 58"/>
+            <p:cNvSpPr/>
+            <p:nvPr/>
+          </p:nvSpPr>
+          <p:spPr>
+            <a:xfrm>
+              <a:off x="4818742" y="3948907"/>
+              <a:ext cx="260029" cy="168477"/>
+            </a:xfrm>
+            <a:prstGeom prst="rect">
+              <a:avLst/>
+            </a:prstGeom>
+            <a:noFill/>
+          </p:spPr>
+          <p:style>
+            <a:lnRef idx="2">
+              <a:schemeClr val="accent1">
+                <a:shade val="50000"/>
+              </a:schemeClr>
+            </a:lnRef>
+            <a:fillRef idx="1">
+              <a:schemeClr val="accent1"/>
+            </a:fillRef>
+            <a:effectRef idx="0">
+              <a:schemeClr val="accent1"/>
+            </a:effectRef>
+            <a:fontRef idx="minor">
+              <a:schemeClr val="lt1"/>
+            </a:fontRef>
+          </p:style>
+          <p:txBody>
+            <a:bodyPr rtlCol="0" anchor="ctr"/>
+            <a:lstStyle/>
+            <a:p>
+              <a:pPr algn="ctr"/>
+              <a:endParaRPr lang="en-US"/>
+            </a:p>
+          </p:txBody>
+        </p:sp>
+        <p:sp>
+          <p:nvSpPr>
+            <p:cNvPr id="60" name="Rectangle 59"/>
+            <p:cNvSpPr/>
+            <p:nvPr/>
+          </p:nvSpPr>
+          <p:spPr>
+            <a:xfrm>
+              <a:off x="5098085" y="3948907"/>
+              <a:ext cx="260029" cy="168477"/>
+            </a:xfrm>
+            <a:prstGeom prst="rect">
+              <a:avLst/>
+            </a:prstGeom>
+            <a:noFill/>
+          </p:spPr>
+          <p:style>
+            <a:lnRef idx="2">
+              <a:schemeClr val="accent1">
+                <a:shade val="50000"/>
+              </a:schemeClr>
+            </a:lnRef>
+            <a:fillRef idx="1">
+              <a:schemeClr val="accent1"/>
+            </a:fillRef>
+            <a:effectRef idx="0">
+              <a:schemeClr val="accent1"/>
+            </a:effectRef>
+            <a:fontRef idx="minor">
+              <a:schemeClr val="lt1"/>
+            </a:fontRef>
+          </p:style>
+          <p:txBody>
+            <a:bodyPr rtlCol="0" anchor="ctr"/>
+            <a:lstStyle/>
+            <a:p>
+              <a:pPr algn="ctr"/>
+              <a:endParaRPr lang="en-US"/>
+            </a:p>
+          </p:txBody>
+        </p:sp>
+        <p:sp>
+          <p:nvSpPr>
+            <p:cNvPr id="61" name="Rectangle 60"/>
+            <p:cNvSpPr/>
+            <p:nvPr/>
+          </p:nvSpPr>
+          <p:spPr>
+            <a:xfrm>
+              <a:off x="5338800" y="3948907"/>
+              <a:ext cx="260029" cy="168477"/>
+            </a:xfrm>
+            <a:prstGeom prst="rect">
+              <a:avLst/>
+            </a:prstGeom>
+            <a:noFill/>
+          </p:spPr>
+          <p:style>
+            <a:lnRef idx="2">
+              <a:schemeClr val="accent1">
+                <a:shade val="50000"/>
+              </a:schemeClr>
+            </a:lnRef>
+            <a:fillRef idx="1">
+              <a:schemeClr val="accent1"/>
+            </a:fillRef>
+            <a:effectRef idx="0">
+              <a:schemeClr val="accent1"/>
+            </a:effectRef>
+            <a:fontRef idx="minor">
+              <a:schemeClr val="lt1"/>
+            </a:fontRef>
+          </p:style>
+          <p:txBody>
+            <a:bodyPr rtlCol="0" anchor="ctr"/>
+            <a:lstStyle/>
+            <a:p>
+              <a:pPr algn="ctr"/>
+              <a:endParaRPr lang="en-US"/>
+            </a:p>
+          </p:txBody>
+        </p:sp>
+      </p:grpSp>
+      <p:grpSp>
+        <p:nvGrpSpPr>
+          <p:cNvPr id="63" name="Group 62"/>
+          <p:cNvGrpSpPr/>
+          <p:nvPr/>
+        </p:nvGrpSpPr>
+        <p:grpSpPr>
+          <a:xfrm>
+            <a:off x="4298683" y="4548683"/>
+            <a:ext cx="1300145" cy="422477"/>
+            <a:chOff x="4298684" y="3948907"/>
+            <a:chExt cx="1300145" cy="422477"/>
+          </a:xfrm>
+        </p:grpSpPr>
+        <p:sp>
+          <p:nvSpPr>
+            <p:cNvPr id="64" name="Rectangle 63"/>
+            <p:cNvSpPr/>
+            <p:nvPr/>
+          </p:nvSpPr>
+          <p:spPr>
+            <a:xfrm>
+              <a:off x="4298684" y="3948907"/>
+              <a:ext cx="1300145" cy="422477"/>
+            </a:xfrm>
+            <a:prstGeom prst="rect">
+              <a:avLst/>
+            </a:prstGeom>
+            <a:noFill/>
+          </p:spPr>
+          <p:style>
+            <a:lnRef idx="2">
+              <a:schemeClr val="accent1">
+                <a:shade val="50000"/>
+              </a:schemeClr>
+            </a:lnRef>
+            <a:fillRef idx="1">
+              <a:schemeClr val="accent1"/>
+            </a:fillRef>
+            <a:effectRef idx="0">
+              <a:schemeClr val="accent1"/>
+            </a:effectRef>
+            <a:fontRef idx="minor">
+              <a:schemeClr val="lt1"/>
+            </a:fontRef>
+          </p:style>
+          <p:txBody>
+            <a:bodyPr rtlCol="0" anchor="ctr"/>
+            <a:lstStyle/>
+            <a:p>
+              <a:pPr algn="ctr"/>
+              <a:endParaRPr lang="en-US"/>
+            </a:p>
+          </p:txBody>
+        </p:sp>
+        <p:sp>
+          <p:nvSpPr>
+            <p:cNvPr id="65" name="Rectangle 64"/>
+            <p:cNvSpPr/>
+            <p:nvPr/>
+          </p:nvSpPr>
+          <p:spPr>
+            <a:xfrm>
+              <a:off x="4298684" y="3948907"/>
+              <a:ext cx="260029" cy="168477"/>
+            </a:xfrm>
+            <a:prstGeom prst="rect">
+              <a:avLst/>
+            </a:prstGeom>
+            <a:noFill/>
+          </p:spPr>
+          <p:style>
+            <a:lnRef idx="2">
+              <a:schemeClr val="accent1">
+                <a:shade val="50000"/>
+              </a:schemeClr>
+            </a:lnRef>
+            <a:fillRef idx="1">
+              <a:schemeClr val="accent1"/>
+            </a:fillRef>
+            <a:effectRef idx="0">
+              <a:schemeClr val="accent1"/>
+            </a:effectRef>
+            <a:fontRef idx="minor">
+              <a:schemeClr val="lt1"/>
+            </a:fontRef>
+          </p:style>
+          <p:txBody>
+            <a:bodyPr rtlCol="0" anchor="ctr"/>
+            <a:lstStyle/>
+            <a:p>
+              <a:pPr algn="ctr"/>
+              <a:endParaRPr lang="en-US"/>
+            </a:p>
+          </p:txBody>
+        </p:sp>
+        <p:sp>
+          <p:nvSpPr>
+            <p:cNvPr id="66" name="Rectangle 65"/>
+            <p:cNvSpPr/>
+            <p:nvPr/>
+          </p:nvSpPr>
+          <p:spPr>
+            <a:xfrm>
+              <a:off x="4558713" y="3948907"/>
+              <a:ext cx="260029" cy="168477"/>
+            </a:xfrm>
+            <a:prstGeom prst="rect">
+              <a:avLst/>
+            </a:prstGeom>
+            <a:solidFill>
+              <a:schemeClr val="accent1"/>
+            </a:solidFill>
+          </p:spPr>
+          <p:style>
+            <a:lnRef idx="2">
+              <a:schemeClr val="accent1">
+                <a:shade val="50000"/>
+              </a:schemeClr>
+            </a:lnRef>
+            <a:fillRef idx="1">
+              <a:schemeClr val="accent1"/>
+            </a:fillRef>
+            <a:effectRef idx="0">
+              <a:schemeClr val="accent1"/>
+            </a:effectRef>
+            <a:fontRef idx="minor">
+              <a:schemeClr val="lt1"/>
+            </a:fontRef>
+          </p:style>
+          <p:txBody>
+            <a:bodyPr rtlCol="0" anchor="ctr"/>
+            <a:lstStyle/>
+            <a:p>
+              <a:pPr algn="ctr"/>
+              <a:endParaRPr lang="en-US"/>
+            </a:p>
+          </p:txBody>
+        </p:sp>
+        <p:sp>
+          <p:nvSpPr>
+            <p:cNvPr id="67" name="Rectangle 66"/>
+            <p:cNvSpPr/>
+            <p:nvPr/>
+          </p:nvSpPr>
+          <p:spPr>
+            <a:xfrm>
+              <a:off x="4818742" y="3948907"/>
+              <a:ext cx="260029" cy="168477"/>
+            </a:xfrm>
+            <a:prstGeom prst="rect">
+              <a:avLst/>
+            </a:prstGeom>
+            <a:noFill/>
+          </p:spPr>
+          <p:style>
+            <a:lnRef idx="2">
+              <a:schemeClr val="accent1">
+                <a:shade val="50000"/>
+              </a:schemeClr>
+            </a:lnRef>
+            <a:fillRef idx="1">
+              <a:schemeClr val="accent1"/>
+            </a:fillRef>
+            <a:effectRef idx="0">
+              <a:schemeClr val="accent1"/>
+            </a:effectRef>
+            <a:fontRef idx="minor">
+              <a:schemeClr val="lt1"/>
+            </a:fontRef>
+          </p:style>
+          <p:txBody>
+            <a:bodyPr rtlCol="0" anchor="ctr"/>
+            <a:lstStyle/>
+            <a:p>
+              <a:pPr algn="ctr"/>
+              <a:endParaRPr lang="en-US"/>
+            </a:p>
+          </p:txBody>
+        </p:sp>
+        <p:sp>
+          <p:nvSpPr>
+            <p:cNvPr id="68" name="Rectangle 67"/>
+            <p:cNvSpPr/>
+            <p:nvPr/>
+          </p:nvSpPr>
+          <p:spPr>
+            <a:xfrm>
+              <a:off x="5098085" y="3948907"/>
+              <a:ext cx="260029" cy="168477"/>
+            </a:xfrm>
+            <a:prstGeom prst="rect">
+              <a:avLst/>
+            </a:prstGeom>
+            <a:noFill/>
+          </p:spPr>
+          <p:style>
+            <a:lnRef idx="2">
+              <a:schemeClr val="accent1">
+                <a:shade val="50000"/>
+              </a:schemeClr>
+            </a:lnRef>
+            <a:fillRef idx="1">
+              <a:schemeClr val="accent1"/>
+            </a:fillRef>
+            <a:effectRef idx="0">
+              <a:schemeClr val="accent1"/>
+            </a:effectRef>
+            <a:fontRef idx="minor">
+              <a:schemeClr val="lt1"/>
+            </a:fontRef>
+          </p:style>
+          <p:txBody>
+            <a:bodyPr rtlCol="0" anchor="ctr"/>
+            <a:lstStyle/>
+            <a:p>
+              <a:pPr algn="ctr"/>
+              <a:endParaRPr lang="en-US"/>
+            </a:p>
+          </p:txBody>
+        </p:sp>
+        <p:sp>
+          <p:nvSpPr>
+            <p:cNvPr id="69" name="Rectangle 68"/>
+            <p:cNvSpPr/>
+            <p:nvPr/>
+          </p:nvSpPr>
+          <p:spPr>
+            <a:xfrm>
+              <a:off x="5338800" y="3948907"/>
+              <a:ext cx="260029" cy="168477"/>
+            </a:xfrm>
+            <a:prstGeom prst="rect">
+              <a:avLst/>
+            </a:prstGeom>
+            <a:noFill/>
+          </p:spPr>
+          <p:style>
+            <a:lnRef idx="2">
+              <a:schemeClr val="accent1">
+                <a:shade val="50000"/>
+              </a:schemeClr>
+            </a:lnRef>
+            <a:fillRef idx="1">
+              <a:schemeClr val="accent1"/>
+            </a:fillRef>
+            <a:effectRef idx="0">
+              <a:schemeClr val="accent1"/>
+            </a:effectRef>
+            <a:fontRef idx="minor">
+              <a:schemeClr val="lt1"/>
+            </a:fontRef>
+          </p:style>
+          <p:txBody>
+            <a:bodyPr rtlCol="0" anchor="ctr"/>
+            <a:lstStyle/>
+            <a:p>
+              <a:pPr algn="ctr"/>
+              <a:endParaRPr lang="en-US"/>
+            </a:p>
+          </p:txBody>
+        </p:sp>
+      </p:grpSp>
+      <p:grpSp>
+        <p:nvGrpSpPr>
+          <p:cNvPr id="70" name="Group 69"/>
+          <p:cNvGrpSpPr/>
+          <p:nvPr/>
+        </p:nvGrpSpPr>
+        <p:grpSpPr>
+          <a:xfrm>
+            <a:off x="4298683" y="5156243"/>
+            <a:ext cx="1300145" cy="422477"/>
+            <a:chOff x="4298684" y="3948907"/>
+            <a:chExt cx="1300145" cy="422477"/>
+          </a:xfrm>
+        </p:grpSpPr>
+        <p:sp>
+          <p:nvSpPr>
+            <p:cNvPr id="71" name="Rectangle 70"/>
+            <p:cNvSpPr/>
+            <p:nvPr/>
+          </p:nvSpPr>
+          <p:spPr>
+            <a:xfrm>
+              <a:off x="4298684" y="3948907"/>
+              <a:ext cx="1300145" cy="422477"/>
+            </a:xfrm>
+            <a:prstGeom prst="rect">
+              <a:avLst/>
+            </a:prstGeom>
+            <a:noFill/>
+          </p:spPr>
+          <p:style>
+            <a:lnRef idx="2">
+              <a:schemeClr val="accent1">
+                <a:shade val="50000"/>
+              </a:schemeClr>
+            </a:lnRef>
+            <a:fillRef idx="1">
+              <a:schemeClr val="accent1"/>
+            </a:fillRef>
+            <a:effectRef idx="0">
+              <a:schemeClr val="accent1"/>
+            </a:effectRef>
+            <a:fontRef idx="minor">
+              <a:schemeClr val="lt1"/>
+            </a:fontRef>
+          </p:style>
+          <p:txBody>
+            <a:bodyPr rtlCol="0" anchor="ctr"/>
+            <a:lstStyle/>
+            <a:p>
+              <a:pPr algn="ctr"/>
+              <a:endParaRPr lang="en-US"/>
+            </a:p>
+          </p:txBody>
+        </p:sp>
+        <p:sp>
+          <p:nvSpPr>
+            <p:cNvPr id="72" name="Rectangle 71"/>
+            <p:cNvSpPr/>
+            <p:nvPr/>
+          </p:nvSpPr>
+          <p:spPr>
+            <a:xfrm>
+              <a:off x="4298684" y="3948907"/>
+              <a:ext cx="260029" cy="168477"/>
+            </a:xfrm>
+            <a:prstGeom prst="rect">
+              <a:avLst/>
+            </a:prstGeom>
+            <a:noFill/>
+          </p:spPr>
+          <p:style>
+            <a:lnRef idx="2">
+              <a:schemeClr val="accent1">
+                <a:shade val="50000"/>
+              </a:schemeClr>
+            </a:lnRef>
+            <a:fillRef idx="1">
+              <a:schemeClr val="accent1"/>
+            </a:fillRef>
+            <a:effectRef idx="0">
+              <a:schemeClr val="accent1"/>
+            </a:effectRef>
+            <a:fontRef idx="minor">
+              <a:schemeClr val="lt1"/>
+            </a:fontRef>
+          </p:style>
+          <p:txBody>
+            <a:bodyPr rtlCol="0" anchor="ctr"/>
+            <a:lstStyle/>
+            <a:p>
+              <a:pPr algn="ctr"/>
+              <a:endParaRPr lang="en-US"/>
+            </a:p>
+          </p:txBody>
+        </p:sp>
+        <p:sp>
+          <p:nvSpPr>
+            <p:cNvPr id="73" name="Rectangle 72"/>
+            <p:cNvSpPr/>
+            <p:nvPr/>
+          </p:nvSpPr>
+          <p:spPr>
+            <a:xfrm>
+              <a:off x="4558713" y="3948907"/>
+              <a:ext cx="260029" cy="168477"/>
+            </a:xfrm>
+            <a:prstGeom prst="rect">
+              <a:avLst/>
+            </a:prstGeom>
+            <a:solidFill>
+              <a:schemeClr val="accent1"/>
+            </a:solidFill>
+          </p:spPr>
+          <p:style>
+            <a:lnRef idx="2">
+              <a:schemeClr val="accent1">
+                <a:shade val="50000"/>
+              </a:schemeClr>
+            </a:lnRef>
+            <a:fillRef idx="1">
+              <a:schemeClr val="accent1"/>
+            </a:fillRef>
+            <a:effectRef idx="0">
+              <a:schemeClr val="accent1"/>
+            </a:effectRef>
+            <a:fontRef idx="minor">
+              <a:schemeClr val="lt1"/>
+            </a:fontRef>
+          </p:style>
+          <p:txBody>
+            <a:bodyPr rtlCol="0" anchor="ctr"/>
+            <a:lstStyle/>
+            <a:p>
+              <a:pPr algn="ctr"/>
+              <a:endParaRPr lang="en-US"/>
+            </a:p>
+          </p:txBody>
+        </p:sp>
+        <p:sp>
+          <p:nvSpPr>
+            <p:cNvPr id="74" name="Rectangle 73"/>
+            <p:cNvSpPr/>
+            <p:nvPr/>
+          </p:nvSpPr>
+          <p:spPr>
+            <a:xfrm>
+              <a:off x="4818742" y="3948907"/>
+              <a:ext cx="260029" cy="168477"/>
+            </a:xfrm>
+            <a:prstGeom prst="rect">
+              <a:avLst/>
+            </a:prstGeom>
+            <a:noFill/>
+          </p:spPr>
+          <p:style>
+            <a:lnRef idx="2">
+              <a:schemeClr val="accent1">
+                <a:shade val="50000"/>
+              </a:schemeClr>
+            </a:lnRef>
+            <a:fillRef idx="1">
+              <a:schemeClr val="accent1"/>
+            </a:fillRef>
+            <a:effectRef idx="0">
+              <a:schemeClr val="accent1"/>
+            </a:effectRef>
+            <a:fontRef idx="minor">
+              <a:schemeClr val="lt1"/>
+            </a:fontRef>
+          </p:style>
+          <p:txBody>
+            <a:bodyPr rtlCol="0" anchor="ctr"/>
+            <a:lstStyle/>
+            <a:p>
+              <a:pPr algn="ctr"/>
+              <a:endParaRPr lang="en-US"/>
+            </a:p>
+          </p:txBody>
+        </p:sp>
+        <p:sp>
+          <p:nvSpPr>
+            <p:cNvPr id="75" name="Rectangle 74"/>
+            <p:cNvSpPr/>
+            <p:nvPr/>
+          </p:nvSpPr>
+          <p:spPr>
+            <a:xfrm>
+              <a:off x="5098085" y="3948907"/>
+              <a:ext cx="260029" cy="168477"/>
+            </a:xfrm>
+            <a:prstGeom prst="rect">
+              <a:avLst/>
+            </a:prstGeom>
+            <a:noFill/>
+          </p:spPr>
+          <p:style>
+            <a:lnRef idx="2">
+              <a:schemeClr val="accent1">
+                <a:shade val="50000"/>
+              </a:schemeClr>
+            </a:lnRef>
+            <a:fillRef idx="1">
+              <a:schemeClr val="accent1"/>
+            </a:fillRef>
+            <a:effectRef idx="0">
+              <a:schemeClr val="accent1"/>
+            </a:effectRef>
+            <a:fontRef idx="minor">
+              <a:schemeClr val="lt1"/>
+            </a:fontRef>
+          </p:style>
+          <p:txBody>
+            <a:bodyPr rtlCol="0" anchor="ctr"/>
+            <a:lstStyle/>
+            <a:p>
+              <a:pPr algn="ctr"/>
+              <a:endParaRPr lang="en-US"/>
+            </a:p>
+          </p:txBody>
+        </p:sp>
+        <p:sp>
+          <p:nvSpPr>
+            <p:cNvPr id="76" name="Rectangle 75"/>
+            <p:cNvSpPr/>
+            <p:nvPr/>
+          </p:nvSpPr>
+          <p:spPr>
+            <a:xfrm>
+              <a:off x="5338800" y="3948907"/>
+              <a:ext cx="260029" cy="168477"/>
+            </a:xfrm>
+            <a:prstGeom prst="rect">
+              <a:avLst/>
+            </a:prstGeom>
+            <a:noFill/>
+          </p:spPr>
+          <p:style>
+            <a:lnRef idx="2">
+              <a:schemeClr val="accent1">
+                <a:shade val="50000"/>
+              </a:schemeClr>
+            </a:lnRef>
+            <a:fillRef idx="1">
+              <a:schemeClr val="accent1"/>
+            </a:fillRef>
+            <a:effectRef idx="0">
+              <a:schemeClr val="accent1"/>
+            </a:effectRef>
+            <a:fontRef idx="minor">
+              <a:schemeClr val="lt1"/>
+            </a:fontRef>
+          </p:style>
+          <p:txBody>
+            <a:bodyPr rtlCol="0" anchor="ctr"/>
+            <a:lstStyle/>
+            <a:p>
+              <a:pPr algn="ctr"/>
+              <a:endParaRPr lang="en-US"/>
+            </a:p>
+          </p:txBody>
+        </p:sp>
+      </p:grpSp>
+    </p:spTree>
+    <p:extLst>
+      <p:ext uri="{BB962C8B-B14F-4D97-AF65-F5344CB8AC3E}">
+        <p14:creationId xmlns:p14="http://schemas.microsoft.com/office/powerpoint/2010/main" val="540382058"/>
       </p:ext>
     </p:extLst>
   </p:cSld>
@@ -3599,7 +6180,6 @@
               <a:rPr lang="en-US" dirty="0" smtClean="0"/>
               <a:t>Compressed representation</a:t>
             </a:r>
-            <a:endParaRPr lang="en-US" dirty="0" smtClean="0"/>
           </a:p>
           <a:p>
             <a:pPr lvl="1"/>
@@ -4280,28 +6860,40 @@
             <a:endParaRPr lang="en-US" dirty="0"/>
           </a:p>
           <a:p>
-            <a:pPr lvl="1"/>
+            <a:pPr marL="914400" lvl="1" indent="-457200">
+              <a:buFont typeface="+mj-lt"/>
+              <a:buAutoNum type="arabicPeriod"/>
+            </a:pPr>
             <a:r>
               <a:rPr lang="en-US" dirty="0" smtClean="0"/>
               <a:t>Efficient memory management</a:t>
             </a:r>
           </a:p>
           <a:p>
-            <a:pPr lvl="1"/>
+            <a:pPr marL="914400" lvl="1" indent="-457200">
+              <a:buFont typeface="+mj-lt"/>
+              <a:buAutoNum type="arabicPeriod"/>
+            </a:pPr>
             <a:r>
               <a:rPr lang="en-US" dirty="0" smtClean="0"/>
               <a:t>Stack configuration</a:t>
             </a:r>
           </a:p>
           <a:p>
-            <a:pPr lvl="1"/>
+            <a:pPr marL="914400" lvl="1" indent="-457200">
+              <a:buFont typeface="+mj-lt"/>
+              <a:buAutoNum type="arabicPeriod"/>
+            </a:pPr>
             <a:r>
               <a:rPr lang="en-US" dirty="0" smtClean="0"/>
               <a:t>Phrase-table optimization</a:t>
             </a:r>
           </a:p>
           <a:p>
-            <a:pPr lvl="1"/>
+            <a:pPr marL="914400" lvl="1" indent="-457200">
+              <a:buFont typeface="+mj-lt"/>
+              <a:buAutoNum type="arabicPeriod"/>
+            </a:pPr>
             <a:r>
               <a:rPr lang="en-US" dirty="0" smtClean="0"/>
               <a:t>Lexicalized reordering model optimization</a:t>
@@ -4384,7 +6976,7 @@
           <p:nvPr>
             <p:extLst>
               <p:ext uri="{D42A27DB-BD31-4B8C-83A1-F6EECF244321}">
-                <p14:modId xmlns:p14="http://schemas.microsoft.com/office/powerpoint/2010/main" val="2003094440"/>
+                <p14:modId xmlns:p14="http://schemas.microsoft.com/office/powerpoint/2010/main" val="100836136"/>
               </p:ext>
             </p:extLst>
           </p:nvPr>
@@ -4529,10 +7121,18 @@
                     <a:lstStyle/>
                     <a:p>
                       <a:r>
-                        <a:rPr lang="en-US" dirty="0" smtClean="0"/>
+                        <a:rPr lang="en-US" dirty="0" smtClean="0">
+                          <a:solidFill>
+                            <a:srgbClr val="FF0000"/>
+                          </a:solidFill>
+                        </a:rPr>
                         <a:t>24%</a:t>
                       </a:r>
-                      <a:endParaRPr lang="en-US" dirty="0"/>
+                      <a:endParaRPr lang="en-US" dirty="0">
+                        <a:solidFill>
+                          <a:srgbClr val="FF0000"/>
+                        </a:solidFill>
+                      </a:endParaRPr>
                     </a:p>
                   </a:txBody>
                   <a:tcPr/>
@@ -4629,10 +7229,18 @@
                     <a:lstStyle/>
                     <a:p>
                       <a:r>
-                        <a:rPr lang="en-US" dirty="0" smtClean="0"/>
+                        <a:rPr lang="en-US" dirty="0" smtClean="0">
+                          <a:solidFill>
+                            <a:srgbClr val="FF0000"/>
+                          </a:solidFill>
+                        </a:rPr>
                         <a:t>30%</a:t>
                       </a:r>
-                      <a:endParaRPr lang="en-US" dirty="0"/>
+                      <a:endParaRPr lang="en-US" dirty="0">
+                        <a:solidFill>
+                          <a:srgbClr val="FF0000"/>
+                        </a:solidFill>
+                      </a:endParaRPr>
                     </a:p>
                   </a:txBody>
                   <a:tcPr/>
@@ -4699,7 +7307,7 @@
                     <a:lstStyle/>
                     <a:p>
                       <a:r>
-                        <a:rPr lang="en-US" smtClean="0"/>
+                        <a:rPr lang="en-US" dirty="0" smtClean="0"/>
                         <a:t>39%</a:t>
                       </a:r>
                       <a:endParaRPr lang="en-US" dirty="0"/>
@@ -4874,8 +7482,9 @@
             <a:pPr lvl="1"/>
             <a:r>
               <a:rPr lang="en-US" dirty="0" smtClean="0"/>
-              <a:t>Fast replacement </a:t>
-            </a:r>
+              <a:t>Replacement </a:t>
+            </a:r>
+            <a:endParaRPr lang="en-US" dirty="0" smtClean="0"/>
           </a:p>
           <a:p>
             <a:pPr lvl="2"/>
@@ -4886,6 +7495,26 @@
             <a:r>
               <a:rPr lang="en-US" dirty="0" smtClean="0"/>
               <a:t>/free</a:t>
+            </a:r>
+          </a:p>
+          <a:p>
+            <a:pPr lvl="1"/>
+            <a:r>
+              <a:rPr lang="en-US" dirty="0" smtClean="0"/>
+              <a:t>Faster multi-threaded</a:t>
+            </a:r>
+          </a:p>
+          <a:p>
+            <a:pPr marL="457200" lvl="1" indent="0">
+              <a:buNone/>
+            </a:pPr>
+            <a:r>
+              <a:rPr lang="en-US" dirty="0"/>
+              <a:t> </a:t>
+            </a:r>
+            <a:r>
+              <a:rPr lang="en-US" dirty="0" smtClean="0"/>
+              <a:t>    applications</a:t>
             </a:r>
             <a:endParaRPr lang="en-US" dirty="0"/>
           </a:p>
@@ -4907,7 +7536,7 @@
         </p:blipFill>
         <p:spPr>
           <a:xfrm>
-            <a:off x="3904938" y="1645444"/>
+            <a:off x="4572000" y="1645444"/>
             <a:ext cx="7620000" cy="4711700"/>
           </a:xfrm>
           <a:prstGeom prst="rect">
